--- a/lecture_ppts/Problem Set #1.pptx
+++ b/lecture_ppts/Problem Set #1.pptx
@@ -504,7 +504,7 @@
               <a:pPr>
                 <a:defRPr/>
               </a:pPr>
-              <a:t>8/12/2021</a:t>
+              <a:t>8/13/2021</a:t>
             </a:fld>
             <a:endParaRPr lang="en-US" altLang="ko-KR" dirty="0"/>
           </a:p>
@@ -6873,37 +6873,45 @@
                 <a:latin typeface="Calibri" panose="020F0502020204030204" pitchFamily="34" charset="0"/>
                 <a:cs typeface="Calibri" panose="020F0502020204030204" pitchFamily="34" charset="0"/>
               </a:rPr>
-              <a:t>Downloading from </a:t>
-            </a:r>
-            <a:r>
-              <a:rPr lang="en-US" altLang="ko-KR" sz="2000" dirty="0" err="1" smtClean="0">
+              <a:t>Download Lecture materials from below link</a:t>
+            </a:r>
+          </a:p>
+          <a:p>
+            <a:pPr>
+              <a:lnSpc>
+                <a:spcPct val="90000"/>
+              </a:lnSpc>
+              <a:defRPr/>
+            </a:pPr>
+            <a:r>
+              <a:rPr lang="en-US" altLang="ko-KR" sz="2000" dirty="0">
                 <a:latin typeface="Calibri" panose="020F0502020204030204" pitchFamily="34" charset="0"/>
                 <a:cs typeface="Calibri" panose="020F0502020204030204" pitchFamily="34" charset="0"/>
+                <a:hlinkClick r:id="rId3"/>
               </a:rPr>
-              <a:t>github</a:t>
-            </a:r>
-            <a:r>
-              <a:rPr lang="ko-KR" altLang="en-US" sz="2000" dirty="0" smtClean="0">
-                <a:latin typeface="Calibri" panose="020F0502020204030204" pitchFamily="34" charset="0"/>
-                <a:cs typeface="Calibri" panose="020F0502020204030204" pitchFamily="34" charset="0"/>
-              </a:rPr>
-              <a:t>에 대한 </a:t>
+              <a:t>https://</a:t>
             </a:r>
             <a:r>
               <a:rPr lang="en-US" altLang="ko-KR" sz="2000" dirty="0" smtClean="0">
                 <a:latin typeface="Calibri" panose="020F0502020204030204" pitchFamily="34" charset="0"/>
                 <a:cs typeface="Calibri" panose="020F0502020204030204" pitchFamily="34" charset="0"/>
+                <a:hlinkClick r:id="rId3"/>
               </a:rPr>
-              <a:t>image</a:t>
-            </a:r>
-            <a:r>
-              <a:rPr lang="ko-KR" altLang="en-US" sz="2000" dirty="0" smtClean="0">
-                <a:latin typeface="Calibri" panose="020F0502020204030204" pitchFamily="34" charset="0"/>
-                <a:cs typeface="Calibri" panose="020F0502020204030204" pitchFamily="34" charset="0"/>
-              </a:rPr>
-              <a:t>가 들어갈 부분</a:t>
-            </a:r>
-            <a:endParaRPr lang="en-US" altLang="ko-KR" sz="2000" dirty="0">
+              <a:t>github.com/Molsim-Group/20210820_Lecture</a:t>
+            </a:r>
+            <a:endParaRPr lang="en-US" altLang="ko-KR" sz="2000" dirty="0" smtClean="0">
+              <a:latin typeface="Calibri" panose="020F0502020204030204" pitchFamily="34" charset="0"/>
+              <a:cs typeface="Calibri" panose="020F0502020204030204" pitchFamily="34" charset="0"/>
+            </a:endParaRPr>
+          </a:p>
+          <a:p>
+            <a:pPr>
+              <a:lnSpc>
+                <a:spcPct val="90000"/>
+              </a:lnSpc>
+              <a:defRPr/>
+            </a:pPr>
+            <a:endParaRPr lang="en-US" altLang="ko-KR" sz="2000" dirty="0" smtClean="0">
               <a:latin typeface="Calibri" panose="020F0502020204030204" pitchFamily="34" charset="0"/>
               <a:cs typeface="Calibri" panose="020F0502020204030204" pitchFamily="34" charset="0"/>
             </a:endParaRPr>
@@ -6920,6 +6928,169 @@
               <a:latin typeface="Calibri" panose="020F0502020204030204" pitchFamily="34" charset="0"/>
               <a:cs typeface="Calibri" panose="020F0502020204030204" pitchFamily="34" charset="0"/>
             </a:endParaRPr>
+          </a:p>
+        </p:txBody>
+      </p:sp>
+      <p:pic>
+        <p:nvPicPr>
+          <p:cNvPr id="3" name="그림 2"/>
+          <p:cNvPicPr>
+            <a:picLocks noChangeAspect="1"/>
+          </p:cNvPicPr>
+          <p:nvPr/>
+        </p:nvPicPr>
+        <p:blipFill>
+          <a:blip r:embed="rId4"/>
+          <a:stretch>
+            <a:fillRect/>
+          </a:stretch>
+        </p:blipFill>
+        <p:spPr>
+          <a:xfrm>
+            <a:off x="612775" y="2152650"/>
+            <a:ext cx="7628249" cy="3110256"/>
+          </a:xfrm>
+          <a:prstGeom prst="rect">
+            <a:avLst/>
+          </a:prstGeom>
+          <a:ln w="25400">
+            <a:solidFill>
+              <a:schemeClr val="tx1"/>
+            </a:solidFill>
+          </a:ln>
+        </p:spPr>
+      </p:pic>
+      <p:sp>
+        <p:nvSpPr>
+          <p:cNvPr id="6" name="아래쪽 화살표 5"/>
+          <p:cNvSpPr/>
+          <p:nvPr/>
+        </p:nvSpPr>
+        <p:spPr>
+          <a:xfrm rot="2341897">
+            <a:off x="8088452" y="2745689"/>
+            <a:ext cx="305143" cy="410613"/>
+          </a:xfrm>
+          <a:prstGeom prst="downArrow">
+            <a:avLst/>
+          </a:prstGeom>
+          <a:solidFill>
+            <a:srgbClr val="00B0F0"/>
+          </a:solidFill>
+          <a:ln w="12700">
+            <a:solidFill>
+              <a:schemeClr val="accent1"/>
+            </a:solidFill>
+          </a:ln>
+          <a:effectLst>
+            <a:outerShdw blurRad="107950" dist="12700" dir="5400000" algn="ctr">
+              <a:srgbClr val="000000"/>
+            </a:outerShdw>
+          </a:effectLst>
+          <a:scene3d>
+            <a:camera prst="orthographicFront">
+              <a:rot lat="0" lon="0" rev="0"/>
+            </a:camera>
+            <a:lightRig rig="soft" dir="t">
+              <a:rot lat="0" lon="0" rev="0"/>
+            </a:lightRig>
+          </a:scene3d>
+          <a:sp3d contourW="44450" prstMaterial="matte">
+            <a:bevelT w="63500" h="63500" prst="artDeco"/>
+            <a:contourClr>
+              <a:srgbClr val="FFFFFF"/>
+            </a:contourClr>
+          </a:sp3d>
+        </p:spPr>
+        <p:style>
+          <a:lnRef idx="2">
+            <a:schemeClr val="accent1">
+              <a:shade val="50000"/>
+            </a:schemeClr>
+          </a:lnRef>
+          <a:fillRef idx="1">
+            <a:schemeClr val="accent1"/>
+          </a:fillRef>
+          <a:effectRef idx="0">
+            <a:schemeClr val="accent1"/>
+          </a:effectRef>
+          <a:fontRef idx="minor">
+            <a:schemeClr val="lt1"/>
+          </a:fontRef>
+        </p:style>
+        <p:txBody>
+          <a:bodyPr rtlCol="0" anchor="ctr"/>
+          <a:lstStyle/>
+          <a:p>
+            <a:pPr algn="ctr"/>
+            <a:endParaRPr lang="ko-KR" altLang="en-US"/>
+          </a:p>
+        </p:txBody>
+      </p:sp>
+      <p:sp>
+        <p:nvSpPr>
+          <p:cNvPr id="7" name="아래쪽 화살표 6"/>
+          <p:cNvSpPr/>
+          <p:nvPr/>
+        </p:nvSpPr>
+        <p:spPr>
+          <a:xfrm rot="2341897">
+            <a:off x="6545401" y="4422088"/>
+            <a:ext cx="305143" cy="410613"/>
+          </a:xfrm>
+          <a:prstGeom prst="downArrow">
+            <a:avLst/>
+          </a:prstGeom>
+          <a:solidFill>
+            <a:srgbClr val="00B0F0"/>
+          </a:solidFill>
+          <a:ln w="12700">
+            <a:solidFill>
+              <a:schemeClr val="accent1"/>
+            </a:solidFill>
+          </a:ln>
+          <a:effectLst>
+            <a:outerShdw blurRad="107950" dist="12700" dir="5400000" algn="ctr">
+              <a:srgbClr val="000000"/>
+            </a:outerShdw>
+          </a:effectLst>
+          <a:scene3d>
+            <a:camera prst="orthographicFront">
+              <a:rot lat="0" lon="0" rev="0"/>
+            </a:camera>
+            <a:lightRig rig="soft" dir="t">
+              <a:rot lat="0" lon="0" rev="0"/>
+            </a:lightRig>
+          </a:scene3d>
+          <a:sp3d contourW="44450" prstMaterial="matte">
+            <a:bevelT w="63500" h="63500" prst="artDeco"/>
+            <a:contourClr>
+              <a:srgbClr val="FFFFFF"/>
+            </a:contourClr>
+          </a:sp3d>
+        </p:spPr>
+        <p:style>
+          <a:lnRef idx="2">
+            <a:schemeClr val="accent1">
+              <a:shade val="50000"/>
+            </a:schemeClr>
+          </a:lnRef>
+          <a:fillRef idx="1">
+            <a:schemeClr val="accent1"/>
+          </a:fillRef>
+          <a:effectRef idx="0">
+            <a:schemeClr val="accent1"/>
+          </a:effectRef>
+          <a:fontRef idx="minor">
+            <a:schemeClr val="lt1"/>
+          </a:fontRef>
+        </p:style>
+        <p:txBody>
+          <a:bodyPr rtlCol="0" anchor="ctr"/>
+          <a:lstStyle/>
+          <a:p>
+            <a:pPr algn="ctr"/>
+            <a:endParaRPr lang="ko-KR" altLang="en-US"/>
           </a:p>
         </p:txBody>
       </p:sp>
@@ -7049,8 +7220,8 @@
         </p:nvSpPr>
         <p:spPr>
           <a:xfrm>
-            <a:off x="354684" y="1281924"/>
-            <a:ext cx="8249670" cy="5068075"/>
+            <a:off x="354684" y="1281925"/>
+            <a:ext cx="8249670" cy="5318900"/>
           </a:xfrm>
           <a:noFill/>
           <a:ln>
@@ -7235,6 +7406,26 @@
               </a:rPr>
               <a:t> so you can look at them.  </a:t>
             </a:r>
+          </a:p>
+          <a:p>
+            <a:pPr>
+              <a:lnSpc>
+                <a:spcPct val="90000"/>
+              </a:lnSpc>
+              <a:defRPr/>
+            </a:pPr>
+            <a:endParaRPr lang="en-US" altLang="ko-KR" sz="2000" dirty="0">
+              <a:latin typeface="Calibri" panose="020F0502020204030204" pitchFamily="34" charset="0"/>
+              <a:cs typeface="Calibri" panose="020F0502020204030204" pitchFamily="34" charset="0"/>
+            </a:endParaRPr>
+          </a:p>
+          <a:p>
+            <a:pPr>
+              <a:lnSpc>
+                <a:spcPct val="90000"/>
+              </a:lnSpc>
+              <a:defRPr/>
+            </a:pPr>
             <a:endParaRPr lang="en-US" altLang="ko-KR" sz="2000" dirty="0" smtClean="0">
               <a:latin typeface="Calibri" panose="020F0502020204030204" pitchFamily="34" charset="0"/>
               <a:cs typeface="Calibri" panose="020F0502020204030204" pitchFamily="34" charset="0"/>
@@ -7343,41 +7534,13 @@
               </a:lnSpc>
               <a:defRPr/>
             </a:pPr>
-            <a:endParaRPr lang="en-US" altLang="ko-KR" sz="2000" dirty="0">
-              <a:latin typeface="Calibri" panose="020F0502020204030204" pitchFamily="34" charset="0"/>
-              <a:cs typeface="Calibri" panose="020F0502020204030204" pitchFamily="34" charset="0"/>
-            </a:endParaRPr>
-          </a:p>
-          <a:p>
-            <a:pPr>
-              <a:lnSpc>
-                <a:spcPct val="90000"/>
-              </a:lnSpc>
-              <a:defRPr/>
-            </a:pPr>
-            <a:endParaRPr lang="en-US" altLang="ko-KR" sz="2000" dirty="0" smtClean="0">
-              <a:latin typeface="Calibri" panose="020F0502020204030204" pitchFamily="34" charset="0"/>
-              <a:cs typeface="Calibri" panose="020F0502020204030204" pitchFamily="34" charset="0"/>
-            </a:endParaRPr>
-          </a:p>
-          <a:p>
-            <a:pPr>
-              <a:lnSpc>
-                <a:spcPct val="90000"/>
-              </a:lnSpc>
-              <a:defRPr/>
-            </a:pPr>
             <a:r>
               <a:rPr lang="en-US" altLang="ko-KR" sz="2000" dirty="0" smtClean="0">
                 <a:latin typeface="Calibri" panose="020F0502020204030204" pitchFamily="34" charset="0"/>
                 <a:cs typeface="Calibri" panose="020F0502020204030204" pitchFamily="34" charset="0"/>
               </a:rPr>
-              <a:t>Empty notebook file is prepared and you can start your exercise there.</a:t>
-            </a:r>
-            <a:endParaRPr lang="en-US" altLang="ko-KR" sz="2000" dirty="0" smtClean="0">
-              <a:latin typeface="Calibri" panose="020F0502020204030204" pitchFamily="34" charset="0"/>
-              <a:cs typeface="Calibri" panose="020F0502020204030204" pitchFamily="34" charset="0"/>
-            </a:endParaRPr>
+              <a:t>At [Problem_set1] folder, empty notebook file is prepared and you can start your exercise there.</a:t>
+            </a:r>
           </a:p>
         </p:txBody>
       </p:sp>
@@ -7811,7 +7974,42 @@
                 <a:latin typeface="Calibri" panose="020F0502020204030204" pitchFamily="34" charset="0"/>
                 <a:cs typeface="Calibri" panose="020F0502020204030204" pitchFamily="34" charset="0"/>
               </a:rPr>
-              <a:t>Part (b):  from Slide 22, write down the precision and the recall scores that correspond to changing the threshold to -2000, 2000, and 4000.  </a:t>
+              <a:t>Part (b):  from Slide 22, </a:t>
+            </a:r>
+            <a:r>
+              <a:rPr lang="en-US" altLang="ko-KR" sz="2000" dirty="0" smtClean="0">
+                <a:latin typeface="Calibri" panose="020F0502020204030204" pitchFamily="34" charset="0"/>
+                <a:cs typeface="Calibri" panose="020F0502020204030204" pitchFamily="34" charset="0"/>
+              </a:rPr>
+              <a:t>see</a:t>
+            </a:r>
+            <a:r>
+              <a:rPr lang="ko-KR" altLang="en-US" sz="2000" dirty="0">
+                <a:latin typeface="Calibri" panose="020F0502020204030204" pitchFamily="34" charset="0"/>
+                <a:cs typeface="Calibri" panose="020F0502020204030204" pitchFamily="34" charset="0"/>
+              </a:rPr>
+              <a:t> </a:t>
+            </a:r>
+            <a:r>
+              <a:rPr lang="en-US" altLang="ko-KR" sz="2000" dirty="0" smtClean="0">
+                <a:latin typeface="Calibri" panose="020F0502020204030204" pitchFamily="34" charset="0"/>
+                <a:cs typeface="Calibri" panose="020F0502020204030204" pitchFamily="34" charset="0"/>
+              </a:rPr>
+              <a:t>how</a:t>
+            </a:r>
+            <a:r>
+              <a:rPr lang="en-US" altLang="ko-KR" sz="2000" dirty="0" smtClean="0">
+                <a:latin typeface="Calibri" panose="020F0502020204030204" pitchFamily="34" charset="0"/>
+                <a:cs typeface="Calibri" panose="020F0502020204030204" pitchFamily="34" charset="0"/>
+              </a:rPr>
+              <a:t> </a:t>
+            </a:r>
+            <a:r>
+              <a:rPr lang="en-US" altLang="ko-KR" sz="2000" dirty="0" smtClean="0">
+                <a:latin typeface="Calibri" panose="020F0502020204030204" pitchFamily="34" charset="0"/>
+                <a:cs typeface="Calibri" panose="020F0502020204030204" pitchFamily="34" charset="0"/>
+              </a:rPr>
+              <a:t>the precision and the recall scores that correspond to changing the threshold to -2000, 2000, and 4000.  </a:t>
             </a:r>
           </a:p>
           <a:p>
@@ -8156,10 +8354,6 @@
               </a:rPr>
               <a:t>] file to start your exercise.</a:t>
             </a:r>
-            <a:endParaRPr lang="en-US" altLang="ko-KR" sz="2000" dirty="0" smtClean="0">
-              <a:latin typeface="Calibri" panose="020F0502020204030204" pitchFamily="34" charset="0"/>
-              <a:cs typeface="Calibri" panose="020F0502020204030204" pitchFamily="34" charset="0"/>
-            </a:endParaRPr>
           </a:p>
         </p:txBody>
       </p:sp>
